--- a/流程历史数据补推方案-V1.0.pptx
+++ b/流程历史数据补推方案-V1.0.pptx
@@ -5,10 +5,10 @@
     <p:sldMasterId id="2147483648" r:id="rId1"/>
   </p:sldMasterIdLst>
   <p:notesMasterIdLst>
-    <p:notesMasterId r:id="rId11"/>
+    <p:notesMasterId r:id="rId12"/>
   </p:notesMasterIdLst>
   <p:handoutMasterIdLst>
-    <p:handoutMasterId r:id="rId12"/>
+    <p:handoutMasterId r:id="rId13"/>
   </p:handoutMasterIdLst>
   <p:sldIdLst>
     <p:sldId id="257" r:id="rId2"/>
@@ -19,7 +19,8 @@
     <p:sldId id="8958" r:id="rId7"/>
     <p:sldId id="8959" r:id="rId8"/>
     <p:sldId id="272" r:id="rId9"/>
-    <p:sldId id="260" r:id="rId10"/>
+    <p:sldId id="8961" r:id="rId10"/>
+    <p:sldId id="260" r:id="rId11"/>
   </p:sldIdLst>
   <p:sldSz cx="9906000" cy="6858000" type="A4"/>
   <p:notesSz cx="6858000" cy="9144000"/>
@@ -230,7 +231,7 @@
           <a:p>
             <a:fld id="{CF6FA311-374B-4D85-B528-A157F6BBA199}" type="datetimeFigureOut">
               <a:rPr lang="zh-CN" altLang="en-US" smtClean="0"/>
-              <a:t>2021/2/22</a:t>
+              <a:t>2021/2/24</a:t>
             </a:fld>
             <a:endParaRPr lang="zh-CN" altLang="en-US"/>
           </a:p>
@@ -395,7 +396,7 @@
           <a:p>
             <a:fld id="{054A57D9-3FF7-4199-950E-2B81C5A9F924}" type="datetimeFigureOut">
               <a:rPr lang="zh-CN" altLang="en-US" smtClean="0"/>
-              <a:t>2021/2/22</a:t>
+              <a:t>2021/2/24</a:t>
             </a:fld>
             <a:endParaRPr lang="zh-CN" altLang="en-US"/>
           </a:p>
@@ -993,6 +994,90 @@
 </p:notes>
 </file>
 
+<file path=ppt/notesSlides/notesSlide5.xml><?xml version="1.0" encoding="utf-8"?>
+<p:notes xmlns:a="http://schemas.openxmlformats.org/drawingml/2006/main" xmlns:r="http://schemas.openxmlformats.org/officeDocument/2006/relationships" xmlns:p="http://schemas.openxmlformats.org/presentationml/2006/main">
+  <p:cSld>
+    <p:spTree>
+      <p:nvGrpSpPr>
+        <p:cNvPr id="1" name=""/>
+        <p:cNvGrpSpPr/>
+        <p:nvPr/>
+      </p:nvGrpSpPr>
+      <p:grpSpPr>
+        <a:xfrm>
+          <a:off x="0" y="0"/>
+          <a:ext cx="0" cy="0"/>
+          <a:chOff x="0" y="0"/>
+          <a:chExt cx="0" cy="0"/>
+        </a:xfrm>
+      </p:grpSpPr>
+      <p:sp>
+        <p:nvSpPr>
+          <p:cNvPr id="2" name="幻灯片图像占位符 1"/>
+          <p:cNvSpPr>
+            <a:spLocks noGrp="1" noRot="1" noChangeAspect="1"/>
+          </p:cNvSpPr>
+          <p:nvPr>
+            <p:ph type="sldImg"/>
+          </p:nvPr>
+        </p:nvSpPr>
+        <p:spPr/>
+      </p:sp>
+      <p:sp>
+        <p:nvSpPr>
+          <p:cNvPr id="3" name="备注占位符 2"/>
+          <p:cNvSpPr>
+            <a:spLocks noGrp="1"/>
+          </p:cNvSpPr>
+          <p:nvPr>
+            <p:ph type="body" idx="1"/>
+          </p:nvPr>
+        </p:nvSpPr>
+        <p:spPr/>
+        <p:txBody>
+          <a:bodyPr/>
+          <a:lstStyle/>
+          <a:p>
+            <a:endParaRPr lang="zh-CN" altLang="en-US" dirty="0"/>
+          </a:p>
+        </p:txBody>
+      </p:sp>
+      <p:sp>
+        <p:nvSpPr>
+          <p:cNvPr id="4" name="灯片编号占位符 3"/>
+          <p:cNvSpPr>
+            <a:spLocks noGrp="1"/>
+          </p:cNvSpPr>
+          <p:nvPr>
+            <p:ph type="sldNum" sz="quarter" idx="5"/>
+          </p:nvPr>
+        </p:nvSpPr>
+        <p:spPr/>
+        <p:txBody>
+          <a:bodyPr/>
+          <a:lstStyle/>
+          <a:p>
+            <a:fld id="{8C6F0490-80C0-4D70-A843-9C953AF146F6}" type="slidenum">
+              <a:rPr lang="zh-CN" altLang="en-US" smtClean="0"/>
+              <a:t>9</a:t>
+            </a:fld>
+            <a:endParaRPr lang="zh-CN" altLang="en-US"/>
+          </a:p>
+        </p:txBody>
+      </p:sp>
+    </p:spTree>
+    <p:extLst>
+      <p:ext uri="{BB962C8B-B14F-4D97-AF65-F5344CB8AC3E}">
+        <p14:creationId xmlns:p14="http://schemas.microsoft.com/office/powerpoint/2010/main" val="599255885"/>
+      </p:ext>
+    </p:extLst>
+  </p:cSld>
+  <p:clrMapOvr>
+    <a:masterClrMapping/>
+  </p:clrMapOvr>
+</p:notes>
+</file>
+
 <file path=ppt/slideLayouts/slideLayout1.xml><?xml version="1.0" encoding="utf-8"?>
 <p:sldLayout xmlns:a="http://schemas.openxmlformats.org/drawingml/2006/main" xmlns:r="http://schemas.openxmlformats.org/officeDocument/2006/relationships" xmlns:p="http://schemas.openxmlformats.org/presentationml/2006/main" preserve="1" userDrawn="1">
   <p:cSld name="标题幻灯片">
@@ -1354,7 +1439,7 @@
           <a:p>
             <a:fld id="{82F288E0-7875-42C4-84C8-98DBBD3BF4D2}" type="datetimeFigureOut">
               <a:rPr lang="zh-CN" altLang="en-US" smtClean="0"/>
-              <a:t>2021/2/22</a:t>
+              <a:t>2021/2/24</a:t>
             </a:fld>
             <a:endParaRPr lang="zh-CN" altLang="en-US"/>
           </a:p>
@@ -2024,6 +2109,85 @@
   </p:cSld>
   <p:clrMapOvr>
     <a:overrideClrMapping bg1="lt1" tx1="dk1" bg2="lt2" tx2="dk2" accent1="accent1" accent2="accent2" accent3="accent3" accent4="accent4" accent5="accent5" accent6="accent6" hlink="hlink" folHlink="folHlink"/>
+  </p:clrMapOvr>
+</p:sld>
+</file>
+
+<file path=ppt/slides/slide10.xml><?xml version="1.0" encoding="utf-8"?>
+<p:sld xmlns:a="http://schemas.openxmlformats.org/drawingml/2006/main" xmlns:r="http://schemas.openxmlformats.org/officeDocument/2006/relationships" xmlns:p="http://schemas.openxmlformats.org/presentationml/2006/main">
+  <p:cSld>
+    <p:spTree>
+      <p:nvGrpSpPr>
+        <p:cNvPr id="1" name=""/>
+        <p:cNvGrpSpPr/>
+        <p:nvPr/>
+      </p:nvGrpSpPr>
+      <p:grpSpPr>
+        <a:xfrm>
+          <a:off x="0" y="0"/>
+          <a:ext cx="0" cy="0"/>
+          <a:chOff x="0" y="0"/>
+          <a:chExt cx="0" cy="0"/>
+        </a:xfrm>
+      </p:grpSpPr>
+      <p:sp>
+        <p:nvSpPr>
+          <p:cNvPr id="1048592" name="TextBox 1"/>
+          <p:cNvSpPr txBox="1"/>
+          <p:nvPr/>
+        </p:nvSpPr>
+        <p:spPr>
+          <a:xfrm>
+            <a:off x="2000672" y="2564904"/>
+            <a:ext cx="5976664" cy="1158240"/>
+          </a:xfrm>
+          <a:prstGeom prst="rect">
+            <a:avLst/>
+          </a:prstGeom>
+          <a:noFill/>
+        </p:spPr>
+        <p:txBody>
+          <a:bodyPr wrap="square" rtlCol="0">
+            <a:spAutoFit/>
+          </a:bodyPr>
+          <a:lstStyle/>
+          <a:p>
+            <a:r>
+              <a:rPr lang="zh-CN" altLang="en-US" sz="3600" b="1" dirty="0">
+                <a:solidFill>
+                  <a:srgbClr val="0070C0"/>
+                </a:solidFill>
+                <a:latin typeface="微软雅黑" panose="020B0503020204020204" pitchFamily="34" charset="-122"/>
+                <a:ea typeface="微软雅黑" panose="020B0503020204020204" pitchFamily="34" charset="-122"/>
+              </a:rPr>
+              <a:t>感谢聆听</a:t>
+            </a:r>
+            <a:endParaRPr lang="en-US" altLang="zh-CN" sz="3600" b="1" dirty="0">
+              <a:solidFill>
+                <a:srgbClr val="0070C0"/>
+              </a:solidFill>
+              <a:latin typeface="微软雅黑" panose="020B0503020204020204" pitchFamily="34" charset="-122"/>
+              <a:ea typeface="微软雅黑" panose="020B0503020204020204" pitchFamily="34" charset="-122"/>
+            </a:endParaRPr>
+          </a:p>
+          <a:p>
+            <a:r>
+              <a:rPr lang="zh-CN" altLang="en-US" sz="3600" b="1" dirty="0">
+                <a:solidFill>
+                  <a:srgbClr val="0070C0"/>
+                </a:solidFill>
+                <a:latin typeface="微软雅黑" panose="020B0503020204020204" pitchFamily="34" charset="-122"/>
+                <a:ea typeface="微软雅黑" panose="020B0503020204020204" pitchFamily="34" charset="-122"/>
+              </a:rPr>
+              <a:t>请领导指示！</a:t>
+            </a:r>
+          </a:p>
+        </p:txBody>
+      </p:sp>
+    </p:spTree>
+  </p:cSld>
+  <p:clrMapOvr>
+    <a:masterClrMapping/>
   </p:clrMapOvr>
 </p:sld>
 </file>
@@ -17599,19 +17763,77 @@
       </p:grpSpPr>
       <p:sp>
         <p:nvSpPr>
-          <p:cNvPr id="1048592" name="TextBox 1"/>
+          <p:cNvPr id="2" name="标题 22">
+            <a:extLst>
+              <a:ext uri="{FF2B5EF4-FFF2-40B4-BE49-F238E27FC236}">
+                <a16:creationId xmlns:a16="http://schemas.microsoft.com/office/drawing/2014/main" id="{D8E0828D-0248-4229-8157-8AA0769571D7}"/>
+              </a:ext>
+            </a:extLst>
+          </p:cNvPr>
           <p:cNvSpPr txBox="1"/>
           <p:nvPr/>
         </p:nvSpPr>
         <p:spPr>
           <a:xfrm>
-            <a:off x="2000672" y="2564904"/>
-            <a:ext cx="5976664" cy="1158240"/>
+            <a:off x="0" y="44624"/>
+            <a:ext cx="8915400" cy="587188"/>
+          </a:xfrm>
+          <a:prstGeom prst="rect">
+            <a:avLst/>
+          </a:prstGeom>
+        </p:spPr>
+        <p:txBody>
+          <a:bodyPr/>
+          <a:lstStyle>
+            <a:lvl1pPr>
+              <a:spcBef>
+                <a:spcPct val="0"/>
+              </a:spcBef>
+              <a:buNone/>
+              <a:defRPr sz="2800" b="1" baseline="0">
+                <a:solidFill>
+                  <a:schemeClr val="bg1"/>
+                </a:solidFill>
+                <a:latin typeface="微软雅黑" panose="020B0503020204020204" pitchFamily="34" charset="-122"/>
+                <a:ea typeface="微软雅黑" panose="020B0503020204020204" pitchFamily="34" charset="-122"/>
+                <a:cs typeface="+mj-cs"/>
+              </a:defRPr>
+            </a:lvl1pPr>
+          </a:lstStyle>
+          <a:p>
+            <a:r>
+              <a:rPr lang="zh-CN" altLang="en-US" dirty="0"/>
+              <a:t>流程历史数据补推计划</a:t>
+            </a:r>
+          </a:p>
+        </p:txBody>
+      </p:sp>
+      <p:sp>
+        <p:nvSpPr>
+          <p:cNvPr id="3" name="文本框 2">
+            <a:extLst>
+              <a:ext uri="{FF2B5EF4-FFF2-40B4-BE49-F238E27FC236}">
+                <a16:creationId xmlns:a16="http://schemas.microsoft.com/office/drawing/2014/main" id="{43A1DED6-0DD8-4E44-B8C5-7619B98731E7}"/>
+              </a:ext>
+            </a:extLst>
+          </p:cNvPr>
+          <p:cNvSpPr txBox="1"/>
+          <p:nvPr/>
+        </p:nvSpPr>
+        <p:spPr>
+          <a:xfrm>
+            <a:off x="272480" y="764704"/>
+            <a:ext cx="9289032" cy="523220"/>
           </a:xfrm>
           <a:prstGeom prst="rect">
             <a:avLst/>
           </a:prstGeom>
           <a:noFill/>
+          <a:ln>
+            <a:solidFill>
+              <a:schemeClr val="tx1"/>
+            </a:solidFill>
+          </a:ln>
         </p:spPr>
         <p:txBody>
           <a:bodyPr wrap="square" rtlCol="0">
@@ -17620,38 +17842,1007 @@
           <a:lstStyle/>
           <a:p>
             <a:r>
-              <a:rPr lang="zh-CN" altLang="en-US" sz="3600" b="1" dirty="0">
-                <a:solidFill>
-                  <a:srgbClr val="0070C0"/>
-                </a:solidFill>
+              <a:rPr lang="zh-CN" altLang="en-US" sz="1400" dirty="0">
                 <a:latin typeface="微软雅黑" panose="020B0503020204020204" pitchFamily="34" charset="-122"/>
                 <a:ea typeface="微软雅黑" panose="020B0503020204020204" pitchFamily="34" charset="-122"/>
               </a:rPr>
-              <a:t>感谢聆听</a:t>
+              <a:t>       流程历史数据补推涉及合同、报账、主数据、预算、档案、税务、</a:t>
             </a:r>
-            <a:endParaRPr lang="en-US" altLang="zh-CN" sz="3600" b="1" dirty="0">
-              <a:solidFill>
-                <a:srgbClr val="0070C0"/>
-              </a:solidFill>
-              <a:latin typeface="微软雅黑" panose="020B0503020204020204" pitchFamily="34" charset="-122"/>
-              <a:ea typeface="微软雅黑" panose="020B0503020204020204" pitchFamily="34" charset="-122"/>
-            </a:endParaRPr>
-          </a:p>
-          <a:p>
             <a:r>
-              <a:rPr lang="zh-CN" altLang="en-US" sz="3600" b="1" dirty="0">
-                <a:solidFill>
-                  <a:srgbClr val="0070C0"/>
-                </a:solidFill>
+              <a:rPr lang="en-US" altLang="zh-CN" sz="1400" dirty="0">
                 <a:latin typeface="微软雅黑" panose="020B0503020204020204" pitchFamily="34" charset="-122"/>
                 <a:ea typeface="微软雅黑" panose="020B0503020204020204" pitchFamily="34" charset="-122"/>
               </a:rPr>
-              <a:t>请领导指示！</a:t>
+              <a:t>ERP</a:t>
+            </a:r>
+            <a:r>
+              <a:rPr lang="zh-CN" altLang="en-US" sz="1400" dirty="0">
+                <a:latin typeface="微软雅黑" panose="020B0503020204020204" pitchFamily="34" charset="-122"/>
+                <a:ea typeface="微软雅黑" panose="020B0503020204020204" pitchFamily="34" charset="-122"/>
+              </a:rPr>
+              <a:t>核心、集成平台、门户、计划管理、信安合规、研发等多个系统。包含待办和已办两大类数据。关联代办、协办、改派、挂起、恢复、委托代办等多种场景</a:t>
             </a:r>
           </a:p>
         </p:txBody>
       </p:sp>
+      <p:graphicFrame>
+        <p:nvGraphicFramePr>
+          <p:cNvPr id="4" name="表格 4">
+            <a:extLst>
+              <a:ext uri="{FF2B5EF4-FFF2-40B4-BE49-F238E27FC236}">
+                <a16:creationId xmlns:a16="http://schemas.microsoft.com/office/drawing/2014/main" id="{64D8F850-5458-48DC-936A-D2A4F474F8BA}"/>
+              </a:ext>
+            </a:extLst>
+          </p:cNvPr>
+          <p:cNvGraphicFramePr>
+            <a:graphicFrameLocks noGrp="1"/>
+          </p:cNvGraphicFramePr>
+          <p:nvPr>
+            <p:extLst/>
+          </p:nvPr>
+        </p:nvGraphicFramePr>
+        <p:xfrm>
+          <a:off x="272480" y="1420816"/>
+          <a:ext cx="9289032" cy="5176535"/>
+        </p:xfrm>
+        <a:graphic>
+          <a:graphicData uri="http://schemas.openxmlformats.org/drawingml/2006/table">
+            <a:tbl>
+              <a:tblPr firstRow="1" bandRow="1">
+                <a:tableStyleId>{5C22544A-7EE6-4342-B048-85BDC9FD1C3A}</a:tableStyleId>
+              </a:tblPr>
+              <a:tblGrid>
+                <a:gridCol w="2304256">
+                  <a:extLst>
+                    <a:ext uri="{9D8B030D-6E8A-4147-A177-3AD203B41FA5}">
+                      <a16:colId xmlns:a16="http://schemas.microsoft.com/office/drawing/2014/main" val="413328143"/>
+                    </a:ext>
+                  </a:extLst>
+                </a:gridCol>
+                <a:gridCol w="4176464">
+                  <a:extLst>
+                    <a:ext uri="{9D8B030D-6E8A-4147-A177-3AD203B41FA5}">
+                      <a16:colId xmlns:a16="http://schemas.microsoft.com/office/drawing/2014/main" val="3329698124"/>
+                    </a:ext>
+                  </a:extLst>
+                </a:gridCol>
+                <a:gridCol w="1440160">
+                  <a:extLst>
+                    <a:ext uri="{9D8B030D-6E8A-4147-A177-3AD203B41FA5}">
+                      <a16:colId xmlns:a16="http://schemas.microsoft.com/office/drawing/2014/main" val="3744468028"/>
+                    </a:ext>
+                  </a:extLst>
+                </a:gridCol>
+                <a:gridCol w="1368152">
+                  <a:extLst>
+                    <a:ext uri="{9D8B030D-6E8A-4147-A177-3AD203B41FA5}">
+                      <a16:colId xmlns:a16="http://schemas.microsoft.com/office/drawing/2014/main" val="934532245"/>
+                    </a:ext>
+                  </a:extLst>
+                </a:gridCol>
+              </a:tblGrid>
+              <a:tr h="443703">
+                <a:tc>
+                  <a:txBody>
+                    <a:bodyPr/>
+                    <a:lstStyle/>
+                    <a:p>
+                      <a:r>
+                        <a:rPr lang="zh-CN" altLang="en-US" sz="1200" dirty="0">
+                          <a:latin typeface="微软雅黑" panose="020B0503020204020204" pitchFamily="34" charset="-122"/>
+                          <a:ea typeface="微软雅黑" panose="020B0503020204020204" pitchFamily="34" charset="-122"/>
+                        </a:rPr>
+                        <a:t>改造点</a:t>
+                      </a:r>
+                    </a:p>
+                  </a:txBody>
+                  <a:tcPr anchor="ctr">
+                    <a:lnL w="12700" cap="flat" cmpd="sng" algn="ctr">
+                      <a:solidFill>
+                        <a:schemeClr val="tx1"/>
+                      </a:solidFill>
+                      <a:prstDash val="solid"/>
+                      <a:round/>
+                      <a:headEnd type="none" w="med" len="med"/>
+                      <a:tailEnd type="none" w="med" len="med"/>
+                    </a:lnL>
+                    <a:lnR w="12700" cap="flat" cmpd="sng" algn="ctr">
+                      <a:solidFill>
+                        <a:schemeClr val="tx1"/>
+                      </a:solidFill>
+                      <a:prstDash val="solid"/>
+                      <a:round/>
+                      <a:headEnd type="none" w="med" len="med"/>
+                      <a:tailEnd type="none" w="med" len="med"/>
+                    </a:lnR>
+                    <a:lnT w="12700" cap="flat" cmpd="sng" algn="ctr">
+                      <a:solidFill>
+                        <a:schemeClr val="tx1"/>
+                      </a:solidFill>
+                      <a:prstDash val="solid"/>
+                      <a:round/>
+                      <a:headEnd type="none" w="med" len="med"/>
+                      <a:tailEnd type="none" w="med" len="med"/>
+                    </a:lnT>
+                    <a:lnB w="12700" cap="flat" cmpd="sng" algn="ctr">
+                      <a:solidFill>
+                        <a:schemeClr val="tx1"/>
+                      </a:solidFill>
+                      <a:prstDash val="solid"/>
+                      <a:round/>
+                      <a:headEnd type="none" w="med" len="med"/>
+                      <a:tailEnd type="none" w="med" len="med"/>
+                    </a:lnB>
+                  </a:tcPr>
+                </a:tc>
+                <a:tc>
+                  <a:txBody>
+                    <a:bodyPr/>
+                    <a:lstStyle/>
+                    <a:p>
+                      <a:r>
+                        <a:rPr lang="zh-CN" altLang="en-US" sz="1200" dirty="0">
+                          <a:latin typeface="微软雅黑" panose="020B0503020204020204" pitchFamily="34" charset="-122"/>
+                          <a:ea typeface="微软雅黑" panose="020B0503020204020204" pitchFamily="34" charset="-122"/>
+                        </a:rPr>
+                        <a:t>改造内容</a:t>
+                      </a:r>
+                    </a:p>
+                  </a:txBody>
+                  <a:tcPr anchor="ctr">
+                    <a:lnL w="12700" cap="flat" cmpd="sng" algn="ctr">
+                      <a:solidFill>
+                        <a:schemeClr val="tx1"/>
+                      </a:solidFill>
+                      <a:prstDash val="solid"/>
+                      <a:round/>
+                      <a:headEnd type="none" w="med" len="med"/>
+                      <a:tailEnd type="none" w="med" len="med"/>
+                    </a:lnL>
+                    <a:lnR w="12700" cap="flat" cmpd="sng" algn="ctr">
+                      <a:solidFill>
+                        <a:schemeClr val="tx1"/>
+                      </a:solidFill>
+                      <a:prstDash val="solid"/>
+                      <a:round/>
+                      <a:headEnd type="none" w="med" len="med"/>
+                      <a:tailEnd type="none" w="med" len="med"/>
+                    </a:lnR>
+                    <a:lnT w="12700" cap="flat" cmpd="sng" algn="ctr">
+                      <a:solidFill>
+                        <a:schemeClr val="tx1"/>
+                      </a:solidFill>
+                      <a:prstDash val="solid"/>
+                      <a:round/>
+                      <a:headEnd type="none" w="med" len="med"/>
+                      <a:tailEnd type="none" w="med" len="med"/>
+                    </a:lnT>
+                    <a:lnB w="12700" cap="flat" cmpd="sng" algn="ctr">
+                      <a:solidFill>
+                        <a:schemeClr val="tx1"/>
+                      </a:solidFill>
+                      <a:prstDash val="solid"/>
+                      <a:round/>
+                      <a:headEnd type="none" w="med" len="med"/>
+                      <a:tailEnd type="none" w="med" len="med"/>
+                    </a:lnB>
+                  </a:tcPr>
+                </a:tc>
+                <a:tc>
+                  <a:txBody>
+                    <a:bodyPr/>
+                    <a:lstStyle/>
+                    <a:p>
+                      <a:pPr algn="ctr"/>
+                      <a:r>
+                        <a:rPr lang="zh-CN" altLang="en-US" sz="1200" dirty="0">
+                          <a:latin typeface="微软雅黑" panose="020B0503020204020204" pitchFamily="34" charset="-122"/>
+                          <a:ea typeface="微软雅黑" panose="020B0503020204020204" pitchFamily="34" charset="-122"/>
+                        </a:rPr>
+                        <a:t>预计改造工作量</a:t>
+                      </a:r>
+                    </a:p>
+                  </a:txBody>
+                  <a:tcPr anchor="ctr">
+                    <a:lnL w="12700" cap="flat" cmpd="sng" algn="ctr">
+                      <a:solidFill>
+                        <a:schemeClr val="tx1"/>
+                      </a:solidFill>
+                      <a:prstDash val="solid"/>
+                      <a:round/>
+                      <a:headEnd type="none" w="med" len="med"/>
+                      <a:tailEnd type="none" w="med" len="med"/>
+                    </a:lnL>
+                    <a:lnR w="12700" cap="flat" cmpd="sng" algn="ctr">
+                      <a:solidFill>
+                        <a:schemeClr val="tx1"/>
+                      </a:solidFill>
+                      <a:prstDash val="solid"/>
+                      <a:round/>
+                      <a:headEnd type="none" w="med" len="med"/>
+                      <a:tailEnd type="none" w="med" len="med"/>
+                    </a:lnR>
+                    <a:lnT w="12700" cap="flat" cmpd="sng" algn="ctr">
+                      <a:solidFill>
+                        <a:schemeClr val="tx1"/>
+                      </a:solidFill>
+                      <a:prstDash val="solid"/>
+                      <a:round/>
+                      <a:headEnd type="none" w="med" len="med"/>
+                      <a:tailEnd type="none" w="med" len="med"/>
+                    </a:lnT>
+                    <a:lnB w="12700" cap="flat" cmpd="sng" algn="ctr">
+                      <a:solidFill>
+                        <a:schemeClr val="tx1"/>
+                      </a:solidFill>
+                      <a:prstDash val="solid"/>
+                      <a:round/>
+                      <a:headEnd type="none" w="med" len="med"/>
+                      <a:tailEnd type="none" w="med" len="med"/>
+                    </a:lnB>
+                  </a:tcPr>
+                </a:tc>
+                <a:tc>
+                  <a:txBody>
+                    <a:bodyPr/>
+                    <a:lstStyle/>
+                    <a:p>
+                      <a:pPr algn="ctr"/>
+                      <a:r>
+                        <a:rPr lang="zh-CN" altLang="en-US" sz="1200" dirty="0">
+                          <a:latin typeface="微软雅黑" panose="020B0503020204020204" pitchFamily="34" charset="-122"/>
+                          <a:ea typeface="微软雅黑" panose="020B0503020204020204" pitchFamily="34" charset="-122"/>
+                        </a:rPr>
+                        <a:t>预计完成时间</a:t>
+                      </a:r>
+                    </a:p>
+                  </a:txBody>
+                  <a:tcPr anchor="ctr">
+                    <a:lnL w="12700" cap="flat" cmpd="sng" algn="ctr">
+                      <a:solidFill>
+                        <a:schemeClr val="tx1"/>
+                      </a:solidFill>
+                      <a:prstDash val="solid"/>
+                      <a:round/>
+                      <a:headEnd type="none" w="med" len="med"/>
+                      <a:tailEnd type="none" w="med" len="med"/>
+                    </a:lnL>
+                    <a:lnR w="12700" cap="flat" cmpd="sng" algn="ctr">
+                      <a:solidFill>
+                        <a:schemeClr val="tx1"/>
+                      </a:solidFill>
+                      <a:prstDash val="solid"/>
+                      <a:round/>
+                      <a:headEnd type="none" w="med" len="med"/>
+                      <a:tailEnd type="none" w="med" len="med"/>
+                    </a:lnR>
+                    <a:lnT w="12700" cap="flat" cmpd="sng" algn="ctr">
+                      <a:solidFill>
+                        <a:schemeClr val="tx1"/>
+                      </a:solidFill>
+                      <a:prstDash val="solid"/>
+                      <a:round/>
+                      <a:headEnd type="none" w="med" len="med"/>
+                      <a:tailEnd type="none" w="med" len="med"/>
+                    </a:lnT>
+                    <a:lnB w="12700" cap="flat" cmpd="sng" algn="ctr">
+                      <a:solidFill>
+                        <a:schemeClr val="tx1"/>
+                      </a:solidFill>
+                      <a:prstDash val="solid"/>
+                      <a:round/>
+                      <a:headEnd type="none" w="med" len="med"/>
+                      <a:tailEnd type="none" w="med" len="med"/>
+                    </a:lnB>
+                  </a:tcPr>
+                </a:tc>
+                <a:extLst>
+                  <a:ext uri="{0D108BD9-81ED-4DB2-BD59-A6C34878D82A}">
+                    <a16:rowId xmlns:a16="http://schemas.microsoft.com/office/drawing/2014/main" val="4257171321"/>
+                  </a:ext>
+                </a:extLst>
+              </a:tr>
+              <a:tr h="3401723">
+                <a:tc>
+                  <a:txBody>
+                    <a:bodyPr/>
+                    <a:lstStyle/>
+                    <a:p>
+                      <a:r>
+                        <a:rPr lang="zh-CN" altLang="en-US" sz="1200" dirty="0">
+                          <a:solidFill>
+                            <a:schemeClr val="tx1"/>
+                          </a:solidFill>
+                          <a:latin typeface="微软雅黑" panose="020B0503020204020204" pitchFamily="34" charset="-122"/>
+                          <a:ea typeface="微软雅黑" panose="020B0503020204020204" pitchFamily="34" charset="-122"/>
+                        </a:rPr>
+                        <a:t>补推工具开发</a:t>
+                      </a:r>
+                      <a:endParaRPr lang="en-US" altLang="zh-CN" sz="1200" dirty="0">
+                        <a:solidFill>
+                          <a:schemeClr val="tx1"/>
+                        </a:solidFill>
+                        <a:latin typeface="微软雅黑" panose="020B0503020204020204" pitchFamily="34" charset="-122"/>
+                        <a:ea typeface="微软雅黑" panose="020B0503020204020204" pitchFamily="34" charset="-122"/>
+                      </a:endParaRPr>
+                    </a:p>
+                    <a:p>
+                      <a:endParaRPr lang="zh-CN" altLang="en-US" sz="1200" dirty="0">
+                        <a:solidFill>
+                          <a:schemeClr val="tx1"/>
+                        </a:solidFill>
+                        <a:latin typeface="微软雅黑" panose="020B0503020204020204" pitchFamily="34" charset="-122"/>
+                        <a:ea typeface="微软雅黑" panose="020B0503020204020204" pitchFamily="34" charset="-122"/>
+                      </a:endParaRPr>
+                    </a:p>
+                  </a:txBody>
+                  <a:tcPr anchor="ctr">
+                    <a:lnL w="12700" cap="flat" cmpd="sng" algn="ctr">
+                      <a:solidFill>
+                        <a:schemeClr val="tx1"/>
+                      </a:solidFill>
+                      <a:prstDash val="solid"/>
+                      <a:round/>
+                      <a:headEnd type="none" w="med" len="med"/>
+                      <a:tailEnd type="none" w="med" len="med"/>
+                    </a:lnL>
+                    <a:lnR w="12700" cap="flat" cmpd="sng" algn="ctr">
+                      <a:solidFill>
+                        <a:schemeClr val="tx1"/>
+                      </a:solidFill>
+                      <a:prstDash val="solid"/>
+                      <a:round/>
+                      <a:headEnd type="none" w="med" len="med"/>
+                      <a:tailEnd type="none" w="med" len="med"/>
+                    </a:lnR>
+                    <a:lnT w="12700" cap="flat" cmpd="sng" algn="ctr">
+                      <a:solidFill>
+                        <a:schemeClr val="tx1"/>
+                      </a:solidFill>
+                      <a:prstDash val="solid"/>
+                      <a:round/>
+                      <a:headEnd type="none" w="med" len="med"/>
+                      <a:tailEnd type="none" w="med" len="med"/>
+                    </a:lnT>
+                    <a:lnB w="12700" cap="flat" cmpd="sng" algn="ctr">
+                      <a:solidFill>
+                        <a:schemeClr val="tx1"/>
+                      </a:solidFill>
+                      <a:prstDash val="solid"/>
+                      <a:round/>
+                      <a:headEnd type="none" w="med" len="med"/>
+                      <a:tailEnd type="none" w="med" len="med"/>
+                    </a:lnB>
+                    <a:noFill/>
+                  </a:tcPr>
+                </a:tc>
+                <a:tc>
+                  <a:txBody>
+                    <a:bodyPr/>
+                    <a:lstStyle/>
+                    <a:p>
+                      <a:pPr marL="342900" indent="-342900">
+                        <a:buAutoNum type="arabicPeriod"/>
+                      </a:pPr>
+                      <a:r>
+                        <a:rPr lang="zh-CN" altLang="en-US" sz="1200" dirty="0">
+                          <a:solidFill>
+                            <a:schemeClr val="tx1"/>
+                          </a:solidFill>
+                          <a:latin typeface="微软雅黑" panose="020B0503020204020204" pitchFamily="34" charset="-122"/>
+                          <a:ea typeface="微软雅黑" panose="020B0503020204020204" pitchFamily="34" charset="-122"/>
+                        </a:rPr>
+                        <a:t>打开指定系统指定省份推送开关</a:t>
+                      </a:r>
+                      <a:endParaRPr lang="en-US" altLang="zh-CN" sz="1200" dirty="0">
+                        <a:solidFill>
+                          <a:schemeClr val="tx1"/>
+                        </a:solidFill>
+                        <a:latin typeface="微软雅黑" panose="020B0503020204020204" pitchFamily="34" charset="-122"/>
+                        <a:ea typeface="微软雅黑" panose="020B0503020204020204" pitchFamily="34" charset="-122"/>
+                      </a:endParaRPr>
+                    </a:p>
+                    <a:p>
+                      <a:pPr marL="342900" indent="-342900">
+                        <a:buAutoNum type="arabicPeriod"/>
+                      </a:pPr>
+                      <a:r>
+                        <a:rPr lang="zh-CN" altLang="en-US" sz="1200" dirty="0">
+                          <a:solidFill>
+                            <a:schemeClr val="tx1"/>
+                          </a:solidFill>
+                          <a:latin typeface="微软雅黑" panose="020B0503020204020204" pitchFamily="34" charset="-122"/>
+                          <a:ea typeface="微软雅黑" panose="020B0503020204020204" pitchFamily="34" charset="-122"/>
+                        </a:rPr>
+                        <a:t>开发补推管理页面</a:t>
+                      </a:r>
+                      <a:endParaRPr lang="en-US" altLang="zh-CN" sz="1200" dirty="0">
+                        <a:solidFill>
+                          <a:schemeClr val="tx1"/>
+                        </a:solidFill>
+                        <a:latin typeface="微软雅黑" panose="020B0503020204020204" pitchFamily="34" charset="-122"/>
+                        <a:ea typeface="微软雅黑" panose="020B0503020204020204" pitchFamily="34" charset="-122"/>
+                      </a:endParaRPr>
+                    </a:p>
+                    <a:p>
+                      <a:pPr marL="342900" indent="-342900">
+                        <a:buAutoNum type="arabicPeriod"/>
+                      </a:pPr>
+                      <a:r>
+                        <a:rPr lang="zh-CN" altLang="en-US" sz="1200" dirty="0">
+                          <a:solidFill>
+                            <a:schemeClr val="tx1"/>
+                          </a:solidFill>
+                          <a:latin typeface="微软雅黑" panose="020B0503020204020204" pitchFamily="34" charset="-122"/>
+                          <a:ea typeface="微软雅黑" panose="020B0503020204020204" pitchFamily="34" charset="-122"/>
+                        </a:rPr>
+                        <a:t>开发获取历史待办已办数据服务</a:t>
+                      </a:r>
+                      <a:endParaRPr lang="en-US" altLang="zh-CN" sz="1200" dirty="0">
+                        <a:solidFill>
+                          <a:schemeClr val="tx1"/>
+                        </a:solidFill>
+                        <a:latin typeface="微软雅黑" panose="020B0503020204020204" pitchFamily="34" charset="-122"/>
+                        <a:ea typeface="微软雅黑" panose="020B0503020204020204" pitchFamily="34" charset="-122"/>
+                      </a:endParaRPr>
+                    </a:p>
+                    <a:p>
+                      <a:pPr marL="342900" indent="-342900">
+                        <a:buAutoNum type="arabicPeriod"/>
+                      </a:pPr>
+                      <a:r>
+                        <a:rPr lang="zh-CN" altLang="en-US" sz="1200" dirty="0">
+                          <a:solidFill>
+                            <a:schemeClr val="tx1"/>
+                          </a:solidFill>
+                          <a:latin typeface="微软雅黑" panose="020B0503020204020204" pitchFamily="34" charset="-122"/>
+                          <a:ea typeface="微软雅黑" panose="020B0503020204020204" pitchFamily="34" charset="-122"/>
+                        </a:rPr>
+                        <a:t>识别待办已办数据对应的场景、并根据场景（代办、委托等）开发相应的补推补偿服务</a:t>
+                      </a:r>
+                      <a:endParaRPr lang="en-US" altLang="zh-CN" sz="1200" dirty="0">
+                        <a:solidFill>
+                          <a:schemeClr val="tx1"/>
+                        </a:solidFill>
+                        <a:latin typeface="微软雅黑" panose="020B0503020204020204" pitchFamily="34" charset="-122"/>
+                        <a:ea typeface="微软雅黑" panose="020B0503020204020204" pitchFamily="34" charset="-122"/>
+                      </a:endParaRPr>
+                    </a:p>
+                    <a:p>
+                      <a:pPr marL="342900" indent="-342900">
+                        <a:buAutoNum type="arabicPeriod"/>
+                      </a:pPr>
+                      <a:r>
+                        <a:rPr lang="zh-CN" altLang="en-US" sz="1200" dirty="0">
+                          <a:solidFill>
+                            <a:schemeClr val="tx1"/>
+                          </a:solidFill>
+                          <a:latin typeface="微软雅黑" panose="020B0503020204020204" pitchFamily="34" charset="-122"/>
+                          <a:ea typeface="微软雅黑" panose="020B0503020204020204" pitchFamily="34" charset="-122"/>
+                        </a:rPr>
+                        <a:t>对补推的流程数据进行记录（包含补推时间、补推状态、补推数据</a:t>
+                      </a:r>
+                      <a:r>
+                        <a:rPr lang="zh-CN" altLang="en-US" sz="1200">
+                          <a:solidFill>
+                            <a:schemeClr val="tx1"/>
+                          </a:solidFill>
+                          <a:latin typeface="微软雅黑" panose="020B0503020204020204" pitchFamily="34" charset="-122"/>
+                          <a:ea typeface="微软雅黑" panose="020B0503020204020204" pitchFamily="34" charset="-122"/>
+                        </a:rPr>
+                        <a:t>信息）</a:t>
+                      </a:r>
+                      <a:endParaRPr lang="en-US" altLang="zh-CN" sz="1200">
+                        <a:solidFill>
+                          <a:schemeClr val="tx1"/>
+                        </a:solidFill>
+                        <a:latin typeface="微软雅黑" panose="020B0503020204020204" pitchFamily="34" charset="-122"/>
+                        <a:ea typeface="微软雅黑" panose="020B0503020204020204" pitchFamily="34" charset="-122"/>
+                      </a:endParaRPr>
+                    </a:p>
+                    <a:p>
+                      <a:pPr marL="342900" indent="-342900">
+                        <a:buAutoNum type="arabicPeriod"/>
+                      </a:pPr>
+                      <a:r>
+                        <a:rPr lang="zh-CN" altLang="en-US" sz="1200">
+                          <a:solidFill>
+                            <a:schemeClr val="tx1"/>
+                          </a:solidFill>
+                          <a:latin typeface="微软雅黑" panose="020B0503020204020204" pitchFamily="34" charset="-122"/>
+                          <a:ea typeface="微软雅黑" panose="020B0503020204020204" pitchFamily="34" charset="-122"/>
+                        </a:rPr>
+                        <a:t>补推数据稽核</a:t>
+                      </a:r>
+                      <a:endParaRPr lang="en-US" altLang="zh-CN" sz="1200">
+                        <a:solidFill>
+                          <a:schemeClr val="tx1"/>
+                        </a:solidFill>
+                        <a:latin typeface="微软雅黑" panose="020B0503020204020204" pitchFamily="34" charset="-122"/>
+                        <a:ea typeface="微软雅黑" panose="020B0503020204020204" pitchFamily="34" charset="-122"/>
+                      </a:endParaRPr>
+                    </a:p>
+                    <a:p>
+                      <a:pPr marL="342900" indent="-342900">
+                        <a:buAutoNum type="arabicPeriod"/>
+                      </a:pPr>
+                      <a:r>
+                        <a:rPr lang="zh-CN" altLang="en-US" sz="1200">
+                          <a:solidFill>
+                            <a:schemeClr val="tx1"/>
+                          </a:solidFill>
+                          <a:latin typeface="微软雅黑" panose="020B0503020204020204" pitchFamily="34" charset="-122"/>
+                          <a:ea typeface="微软雅黑" panose="020B0503020204020204" pitchFamily="34" charset="-122"/>
+                        </a:rPr>
+                        <a:t>补推历史数据处理</a:t>
+                      </a:r>
+                      <a:endParaRPr lang="en-US" altLang="zh-CN" sz="1200" dirty="0">
+                        <a:solidFill>
+                          <a:schemeClr val="tx1"/>
+                        </a:solidFill>
+                        <a:latin typeface="微软雅黑" panose="020B0503020204020204" pitchFamily="34" charset="-122"/>
+                        <a:ea typeface="微软雅黑" panose="020B0503020204020204" pitchFamily="34" charset="-122"/>
+                      </a:endParaRPr>
+                    </a:p>
+                    <a:p>
+                      <a:pPr marL="0" indent="0">
+                        <a:buNone/>
+                      </a:pPr>
+                      <a:endParaRPr lang="zh-CN" altLang="en-US" sz="1200" dirty="0">
+                        <a:solidFill>
+                          <a:schemeClr val="tx1"/>
+                        </a:solidFill>
+                        <a:latin typeface="微软雅黑" panose="020B0503020204020204" pitchFamily="34" charset="-122"/>
+                        <a:ea typeface="微软雅黑" panose="020B0503020204020204" pitchFamily="34" charset="-122"/>
+                      </a:endParaRPr>
+                    </a:p>
+                  </a:txBody>
+                  <a:tcPr anchor="ctr">
+                    <a:lnL w="12700" cap="flat" cmpd="sng" algn="ctr">
+                      <a:solidFill>
+                        <a:schemeClr val="tx1"/>
+                      </a:solidFill>
+                      <a:prstDash val="solid"/>
+                      <a:round/>
+                      <a:headEnd type="none" w="med" len="med"/>
+                      <a:tailEnd type="none" w="med" len="med"/>
+                    </a:lnL>
+                    <a:lnR w="12700" cap="flat" cmpd="sng" algn="ctr">
+                      <a:solidFill>
+                        <a:schemeClr val="tx1"/>
+                      </a:solidFill>
+                      <a:prstDash val="solid"/>
+                      <a:round/>
+                      <a:headEnd type="none" w="med" len="med"/>
+                      <a:tailEnd type="none" w="med" len="med"/>
+                    </a:lnR>
+                    <a:lnT w="12700" cap="flat" cmpd="sng" algn="ctr">
+                      <a:solidFill>
+                        <a:schemeClr val="tx1"/>
+                      </a:solidFill>
+                      <a:prstDash val="solid"/>
+                      <a:round/>
+                      <a:headEnd type="none" w="med" len="med"/>
+                      <a:tailEnd type="none" w="med" len="med"/>
+                    </a:lnT>
+                    <a:lnB w="12700" cap="flat" cmpd="sng" algn="ctr">
+                      <a:solidFill>
+                        <a:schemeClr val="tx1"/>
+                      </a:solidFill>
+                      <a:prstDash val="solid"/>
+                      <a:round/>
+                      <a:headEnd type="none" w="med" len="med"/>
+                      <a:tailEnd type="none" w="med" len="med"/>
+                    </a:lnB>
+                    <a:noFill/>
+                  </a:tcPr>
+                </a:tc>
+                <a:tc>
+                  <a:txBody>
+                    <a:bodyPr/>
+                    <a:lstStyle/>
+                    <a:p>
+                      <a:pPr algn="ctr"/>
+                      <a:r>
+                        <a:rPr lang="en-US" altLang="zh-CN" sz="1200" dirty="0">
+                          <a:solidFill>
+                            <a:schemeClr val="tx1"/>
+                          </a:solidFill>
+                          <a:latin typeface="微软雅黑" panose="020B0503020204020204" pitchFamily="34" charset="-122"/>
+                          <a:ea typeface="微软雅黑" panose="020B0503020204020204" pitchFamily="34" charset="-122"/>
+                        </a:rPr>
+                        <a:t>20</a:t>
+                      </a:r>
+                    </a:p>
+                    <a:p>
+                      <a:pPr algn="ctr"/>
+                      <a:r>
+                        <a:rPr lang="zh-CN" altLang="en-US" sz="1200" dirty="0">
+                          <a:solidFill>
+                            <a:schemeClr val="tx1"/>
+                          </a:solidFill>
+                          <a:latin typeface="微软雅黑" panose="020B0503020204020204" pitchFamily="34" charset="-122"/>
+                          <a:ea typeface="微软雅黑" panose="020B0503020204020204" pitchFamily="34" charset="-122"/>
+                        </a:rPr>
+                        <a:t>人天</a:t>
+                      </a:r>
+                    </a:p>
+                  </a:txBody>
+                  <a:tcPr anchor="ctr">
+                    <a:lnL w="12700" cap="flat" cmpd="sng" algn="ctr">
+                      <a:solidFill>
+                        <a:schemeClr val="tx1"/>
+                      </a:solidFill>
+                      <a:prstDash val="solid"/>
+                      <a:round/>
+                      <a:headEnd type="none" w="med" len="med"/>
+                      <a:tailEnd type="none" w="med" len="med"/>
+                    </a:lnL>
+                    <a:lnR w="12700" cap="flat" cmpd="sng" algn="ctr">
+                      <a:solidFill>
+                        <a:schemeClr val="tx1"/>
+                      </a:solidFill>
+                      <a:prstDash val="solid"/>
+                      <a:round/>
+                      <a:headEnd type="none" w="med" len="med"/>
+                      <a:tailEnd type="none" w="med" len="med"/>
+                    </a:lnR>
+                    <a:lnT w="12700" cap="flat" cmpd="sng" algn="ctr">
+                      <a:solidFill>
+                        <a:schemeClr val="tx1"/>
+                      </a:solidFill>
+                      <a:prstDash val="solid"/>
+                      <a:round/>
+                      <a:headEnd type="none" w="med" len="med"/>
+                      <a:tailEnd type="none" w="med" len="med"/>
+                    </a:lnT>
+                    <a:lnB w="12700" cap="flat" cmpd="sng" algn="ctr">
+                      <a:solidFill>
+                        <a:schemeClr val="tx1"/>
+                      </a:solidFill>
+                      <a:prstDash val="solid"/>
+                      <a:round/>
+                      <a:headEnd type="none" w="med" len="med"/>
+                      <a:tailEnd type="none" w="med" len="med"/>
+                    </a:lnB>
+                    <a:noFill/>
+                  </a:tcPr>
+                </a:tc>
+                <a:tc rowSpan="2">
+                  <a:txBody>
+                    <a:bodyPr/>
+                    <a:lstStyle/>
+                    <a:p>
+                      <a:pPr algn="ctr"/>
+                      <a:r>
+                        <a:rPr lang="en-US" altLang="zh-CN" sz="1200" dirty="0">
+                          <a:solidFill>
+                            <a:schemeClr val="tx1"/>
+                          </a:solidFill>
+                          <a:latin typeface="微软雅黑" panose="020B0503020204020204" pitchFamily="34" charset="-122"/>
+                          <a:ea typeface="微软雅黑" panose="020B0503020204020204" pitchFamily="34" charset="-122"/>
+                        </a:rPr>
+                        <a:t>2021-4-8</a:t>
+                      </a:r>
+                      <a:endParaRPr lang="zh-CN" altLang="en-US" sz="1200" dirty="0">
+                        <a:solidFill>
+                          <a:schemeClr val="tx1"/>
+                        </a:solidFill>
+                        <a:latin typeface="微软雅黑" panose="020B0503020204020204" pitchFamily="34" charset="-122"/>
+                        <a:ea typeface="微软雅黑" panose="020B0503020204020204" pitchFamily="34" charset="-122"/>
+                      </a:endParaRPr>
+                    </a:p>
+                  </a:txBody>
+                  <a:tcPr anchor="ctr">
+                    <a:lnL w="12700" cap="flat" cmpd="sng" algn="ctr">
+                      <a:solidFill>
+                        <a:schemeClr val="tx1"/>
+                      </a:solidFill>
+                      <a:prstDash val="solid"/>
+                      <a:round/>
+                      <a:headEnd type="none" w="med" len="med"/>
+                      <a:tailEnd type="none" w="med" len="med"/>
+                    </a:lnL>
+                    <a:lnR w="12700" cap="flat" cmpd="sng" algn="ctr">
+                      <a:solidFill>
+                        <a:schemeClr val="tx1"/>
+                      </a:solidFill>
+                      <a:prstDash val="solid"/>
+                      <a:round/>
+                      <a:headEnd type="none" w="med" len="med"/>
+                      <a:tailEnd type="none" w="med" len="med"/>
+                    </a:lnR>
+                    <a:lnT w="12700" cap="flat" cmpd="sng" algn="ctr">
+                      <a:solidFill>
+                        <a:schemeClr val="tx1"/>
+                      </a:solidFill>
+                      <a:prstDash val="solid"/>
+                      <a:round/>
+                      <a:headEnd type="none" w="med" len="med"/>
+                      <a:tailEnd type="none" w="med" len="med"/>
+                    </a:lnT>
+                    <a:lnB w="12700" cap="flat" cmpd="sng" algn="ctr">
+                      <a:solidFill>
+                        <a:schemeClr val="tx1"/>
+                      </a:solidFill>
+                      <a:prstDash val="solid"/>
+                      <a:round/>
+                      <a:headEnd type="none" w="med" len="med"/>
+                      <a:tailEnd type="none" w="med" len="med"/>
+                    </a:lnB>
+                    <a:noFill/>
+                  </a:tcPr>
+                </a:tc>
+                <a:extLst>
+                  <a:ext uri="{0D108BD9-81ED-4DB2-BD59-A6C34878D82A}">
+                    <a16:rowId xmlns:a16="http://schemas.microsoft.com/office/drawing/2014/main" val="548482042"/>
+                  </a:ext>
+                </a:extLst>
+              </a:tr>
+              <a:tr h="1331109">
+                <a:tc>
+                  <a:txBody>
+                    <a:bodyPr/>
+                    <a:lstStyle/>
+                    <a:p>
+                      <a:r>
+                        <a:rPr lang="zh-CN" altLang="en-US" sz="1200" dirty="0">
+                          <a:solidFill>
+                            <a:schemeClr val="tx1"/>
+                          </a:solidFill>
+                          <a:latin typeface="微软雅黑" panose="020B0503020204020204" pitchFamily="34" charset="-122"/>
+                          <a:ea typeface="微软雅黑" panose="020B0503020204020204" pitchFamily="34" charset="-122"/>
+                        </a:rPr>
+                        <a:t>实施工作量</a:t>
+                      </a:r>
+                    </a:p>
+                  </a:txBody>
+                  <a:tcPr anchor="ctr">
+                    <a:lnL w="12700" cap="flat" cmpd="sng" algn="ctr">
+                      <a:solidFill>
+                        <a:schemeClr val="tx1"/>
+                      </a:solidFill>
+                      <a:prstDash val="solid"/>
+                      <a:round/>
+                      <a:headEnd type="none" w="med" len="med"/>
+                      <a:tailEnd type="none" w="med" len="med"/>
+                    </a:lnL>
+                    <a:lnR w="12700" cap="flat" cmpd="sng" algn="ctr">
+                      <a:solidFill>
+                        <a:schemeClr val="tx1"/>
+                      </a:solidFill>
+                      <a:prstDash val="solid"/>
+                      <a:round/>
+                      <a:headEnd type="none" w="med" len="med"/>
+                      <a:tailEnd type="none" w="med" len="med"/>
+                    </a:lnR>
+                    <a:lnT w="12700" cap="flat" cmpd="sng" algn="ctr">
+                      <a:solidFill>
+                        <a:schemeClr val="tx1"/>
+                      </a:solidFill>
+                      <a:prstDash val="solid"/>
+                      <a:round/>
+                      <a:headEnd type="none" w="med" len="med"/>
+                      <a:tailEnd type="none" w="med" len="med"/>
+                    </a:lnT>
+                    <a:lnB w="12700" cap="flat" cmpd="sng" algn="ctr">
+                      <a:solidFill>
+                        <a:schemeClr val="tx1"/>
+                      </a:solidFill>
+                      <a:prstDash val="solid"/>
+                      <a:round/>
+                      <a:headEnd type="none" w="med" len="med"/>
+                      <a:tailEnd type="none" w="med" len="med"/>
+                    </a:lnB>
+                    <a:noFill/>
+                  </a:tcPr>
+                </a:tc>
+                <a:tc>
+                  <a:txBody>
+                    <a:bodyPr/>
+                    <a:lstStyle/>
+                    <a:p>
+                      <a:pPr marL="342900" indent="-342900">
+                        <a:buAutoNum type="arabicPeriod"/>
+                      </a:pPr>
+                      <a:r>
+                        <a:rPr lang="zh-CN" altLang="en-US" sz="1200" dirty="0">
+                          <a:solidFill>
+                            <a:schemeClr val="tx1"/>
+                          </a:solidFill>
+                          <a:latin typeface="微软雅黑" panose="020B0503020204020204" pitchFamily="34" charset="-122"/>
+                          <a:ea typeface="微软雅黑" panose="020B0503020204020204" pitchFamily="34" charset="-122"/>
+                        </a:rPr>
+                        <a:t>与统一待办系统进行补推数据的联调与稽核</a:t>
+                      </a:r>
+                      <a:endParaRPr lang="en-US" altLang="zh-CN" sz="1200" dirty="0">
+                        <a:solidFill>
+                          <a:schemeClr val="tx1"/>
+                        </a:solidFill>
+                        <a:latin typeface="微软雅黑" panose="020B0503020204020204" pitchFamily="34" charset="-122"/>
+                        <a:ea typeface="微软雅黑" panose="020B0503020204020204" pitchFamily="34" charset="-122"/>
+                      </a:endParaRPr>
+                    </a:p>
+                  </a:txBody>
+                  <a:tcPr anchor="ctr">
+                    <a:lnL w="12700" cap="flat" cmpd="sng" algn="ctr">
+                      <a:solidFill>
+                        <a:schemeClr val="tx1"/>
+                      </a:solidFill>
+                      <a:prstDash val="solid"/>
+                      <a:round/>
+                      <a:headEnd type="none" w="med" len="med"/>
+                      <a:tailEnd type="none" w="med" len="med"/>
+                    </a:lnL>
+                    <a:lnR w="12700" cap="flat" cmpd="sng" algn="ctr">
+                      <a:solidFill>
+                        <a:schemeClr val="tx1"/>
+                      </a:solidFill>
+                      <a:prstDash val="solid"/>
+                      <a:round/>
+                      <a:headEnd type="none" w="med" len="med"/>
+                      <a:tailEnd type="none" w="med" len="med"/>
+                    </a:lnR>
+                    <a:lnT w="12700" cap="flat" cmpd="sng" algn="ctr">
+                      <a:solidFill>
+                        <a:schemeClr val="tx1"/>
+                      </a:solidFill>
+                      <a:prstDash val="solid"/>
+                      <a:round/>
+                      <a:headEnd type="none" w="med" len="med"/>
+                      <a:tailEnd type="none" w="med" len="med"/>
+                    </a:lnT>
+                    <a:lnB w="12700" cap="flat" cmpd="sng" algn="ctr">
+                      <a:solidFill>
+                        <a:schemeClr val="tx1"/>
+                      </a:solidFill>
+                      <a:prstDash val="solid"/>
+                      <a:round/>
+                      <a:headEnd type="none" w="med" len="med"/>
+                      <a:tailEnd type="none" w="med" len="med"/>
+                    </a:lnB>
+                    <a:noFill/>
+                  </a:tcPr>
+                </a:tc>
+                <a:tc>
+                  <a:txBody>
+                    <a:bodyPr/>
+                    <a:lstStyle/>
+                    <a:p>
+                      <a:pPr algn="ctr"/>
+                      <a:r>
+                        <a:rPr lang="en-US" altLang="zh-CN" sz="1200" dirty="0">
+                          <a:solidFill>
+                            <a:schemeClr val="tx1"/>
+                          </a:solidFill>
+                          <a:latin typeface="微软雅黑" panose="020B0503020204020204" pitchFamily="34" charset="-122"/>
+                          <a:ea typeface="微软雅黑" panose="020B0503020204020204" pitchFamily="34" charset="-122"/>
+                        </a:rPr>
+                        <a:t>25</a:t>
+                      </a:r>
+                      <a:r>
+                        <a:rPr lang="zh-CN" altLang="en-US" sz="1200" dirty="0">
+                          <a:solidFill>
+                            <a:schemeClr val="tx1"/>
+                          </a:solidFill>
+                          <a:latin typeface="微软雅黑" panose="020B0503020204020204" pitchFamily="34" charset="-122"/>
+                          <a:ea typeface="微软雅黑" panose="020B0503020204020204" pitchFamily="34" charset="-122"/>
+                        </a:rPr>
+                        <a:t>人天</a:t>
+                      </a:r>
+                    </a:p>
+                  </a:txBody>
+                  <a:tcPr anchor="ctr">
+                    <a:lnL w="12700" cap="flat" cmpd="sng" algn="ctr">
+                      <a:solidFill>
+                        <a:schemeClr val="tx1"/>
+                      </a:solidFill>
+                      <a:prstDash val="solid"/>
+                      <a:round/>
+                      <a:headEnd type="none" w="med" len="med"/>
+                      <a:tailEnd type="none" w="med" len="med"/>
+                    </a:lnL>
+                    <a:lnR w="12700" cap="flat" cmpd="sng" algn="ctr">
+                      <a:solidFill>
+                        <a:schemeClr val="tx1"/>
+                      </a:solidFill>
+                      <a:prstDash val="solid"/>
+                      <a:round/>
+                      <a:headEnd type="none" w="med" len="med"/>
+                      <a:tailEnd type="none" w="med" len="med"/>
+                    </a:lnR>
+                    <a:lnT w="12700" cap="flat" cmpd="sng" algn="ctr">
+                      <a:solidFill>
+                        <a:schemeClr val="tx1"/>
+                      </a:solidFill>
+                      <a:prstDash val="solid"/>
+                      <a:round/>
+                      <a:headEnd type="none" w="med" len="med"/>
+                      <a:tailEnd type="none" w="med" len="med"/>
+                    </a:lnT>
+                    <a:lnB w="12700" cap="flat" cmpd="sng" algn="ctr">
+                      <a:solidFill>
+                        <a:schemeClr val="tx1"/>
+                      </a:solidFill>
+                      <a:prstDash val="solid"/>
+                      <a:round/>
+                      <a:headEnd type="none" w="med" len="med"/>
+                      <a:tailEnd type="none" w="med" len="med"/>
+                    </a:lnB>
+                    <a:noFill/>
+                  </a:tcPr>
+                </a:tc>
+                <a:tc vMerge="1">
+                  <a:txBody>
+                    <a:bodyPr/>
+                    <a:lstStyle/>
+                    <a:p>
+                      <a:pPr algn="ctr"/>
+                      <a:endParaRPr lang="zh-CN" altLang="en-US" sz="1200" dirty="0">
+                        <a:solidFill>
+                          <a:schemeClr val="tx1"/>
+                        </a:solidFill>
+                        <a:latin typeface="微软雅黑" panose="020B0503020204020204" pitchFamily="34" charset="-122"/>
+                        <a:ea typeface="微软雅黑" panose="020B0503020204020204" pitchFamily="34" charset="-122"/>
+                      </a:endParaRPr>
+                    </a:p>
+                  </a:txBody>
+                  <a:tcPr anchor="ctr">
+                    <a:lnL w="12700" cap="flat" cmpd="sng" algn="ctr">
+                      <a:solidFill>
+                        <a:schemeClr val="tx1"/>
+                      </a:solidFill>
+                      <a:prstDash val="solid"/>
+                      <a:round/>
+                      <a:headEnd type="none" w="med" len="med"/>
+                      <a:tailEnd type="none" w="med" len="med"/>
+                    </a:lnL>
+                    <a:lnR w="12700" cap="flat" cmpd="sng" algn="ctr">
+                      <a:solidFill>
+                        <a:schemeClr val="tx1"/>
+                      </a:solidFill>
+                      <a:prstDash val="solid"/>
+                      <a:round/>
+                      <a:headEnd type="none" w="med" len="med"/>
+                      <a:tailEnd type="none" w="med" len="med"/>
+                    </a:lnR>
+                    <a:lnT w="12700" cap="flat" cmpd="sng" algn="ctr">
+                      <a:solidFill>
+                        <a:schemeClr val="tx1"/>
+                      </a:solidFill>
+                      <a:prstDash val="solid"/>
+                      <a:round/>
+                      <a:headEnd type="none" w="med" len="med"/>
+                      <a:tailEnd type="none" w="med" len="med"/>
+                    </a:lnT>
+                    <a:lnB w="12700" cap="flat" cmpd="sng" algn="ctr">
+                      <a:solidFill>
+                        <a:schemeClr val="tx1"/>
+                      </a:solidFill>
+                      <a:prstDash val="solid"/>
+                      <a:round/>
+                      <a:headEnd type="none" w="med" len="med"/>
+                      <a:tailEnd type="none" w="med" len="med"/>
+                    </a:lnB>
+                    <a:noFill/>
+                  </a:tcPr>
+                </a:tc>
+                <a:extLst>
+                  <a:ext uri="{0D108BD9-81ED-4DB2-BD59-A6C34878D82A}">
+                    <a16:rowId xmlns:a16="http://schemas.microsoft.com/office/drawing/2014/main" val="4196479288"/>
+                  </a:ext>
+                </a:extLst>
+              </a:tr>
+            </a:tbl>
+          </a:graphicData>
+        </a:graphic>
+      </p:graphicFrame>
     </p:spTree>
+    <p:extLst>
+      <p:ext uri="{BB962C8B-B14F-4D97-AF65-F5344CB8AC3E}">
+        <p14:creationId xmlns:p14="http://schemas.microsoft.com/office/powerpoint/2010/main" val="2246485257"/>
+      </p:ext>
+    </p:extLst>
   </p:cSld>
   <p:clrMapOvr>
     <a:masterClrMapping/>
